--- a/AIM_Analysis/AnalysisSprintWorkflow.20161213.pptx
+++ b/AIM_Analysis/AnalysisSprintWorkflow.20161213.pptx
@@ -105,7 +105,38 @@
       </a:defRPr>
     </a:lvl9pPr>
   </p:defaultTextStyle>
+  <p:extLst>
+    <p:ext uri="{EFAFB233-063F-42B5-8137-9DF3F51BA10A}">
+      <p15:sldGuideLst xmlns:p15="http://schemas.microsoft.com/office/powerpoint/2012/main">
+        <p15:guide id="1" orient="horz" pos="2160">
+          <p15:clr>
+            <a:srgbClr val="A4A3A4"/>
+          </p15:clr>
+        </p15:guide>
+        <p15:guide id="2" pos="3840">
+          <p15:clr>
+            <a:srgbClr val="A4A3A4"/>
+          </p15:clr>
+        </p15:guide>
+      </p15:sldGuideLst>
+    </p:ext>
+  </p:extLst>
 </p:presentation>
+</file>
+
+<file path=ppt/commentAuthors.xml><?xml version="1.0" encoding="utf-8"?>
+<p:cmAuthorLst xmlns:a="http://schemas.openxmlformats.org/drawingml/2006/main" xmlns:r="http://schemas.openxmlformats.org/officeDocument/2006/relationships" xmlns:p="http://schemas.openxmlformats.org/presentationml/2006/main">
+  <p:cmAuthor id="0" name="Sarah McCord" initials="SEM" lastIdx="1" clrIdx="0"/>
+</p:cmAuthorLst>
+</file>
+
+<file path=ppt/comments/comment1.xml><?xml version="1.0" encoding="utf-8"?>
+<p:cmLst xmlns:a="http://schemas.openxmlformats.org/drawingml/2006/main" xmlns:r="http://schemas.openxmlformats.org/officeDocument/2006/relationships" xmlns:p="http://schemas.openxmlformats.org/presentationml/2006/main">
+  <p:cm authorId="0" dt="2016-12-13T12:27:42.835" idx="1">
+    <p:pos x="5214" y="2920"/>
+    <p:text>Is there any value to having this as a final output? Some of our data savy users (e.g., Andrew Johnson), have enjoyed looking at "raw" estimates in the past. </p:text>
+  </p:cm>
+</p:cmLst>
 </file>
 
 <file path=ppt/slideLayouts/slideLayout1.xml><?xml version="1.0" encoding="utf-8"?>
@@ -153,7 +184,6 @@
               <a:rPr lang="en-US"/>
               <a:t>Click to edit Master title style</a:t>
             </a:r>
-            <a:endParaRPr lang="en-US"/>
           </a:p>
         </p:txBody>
       </p:sp>
@@ -218,7 +248,6 @@
               <a:rPr lang="en-US"/>
               <a:t>Click to edit Master subtitle style</a:t>
             </a:r>
-            <a:endParaRPr lang="en-US"/>
           </a:p>
         </p:txBody>
       </p:sp>
@@ -336,7 +365,6 @@
               <a:rPr lang="en-US"/>
               <a:t>Click to edit Master title style</a:t>
             </a:r>
-            <a:endParaRPr lang="en-US"/>
           </a:p>
         </p:txBody>
       </p:sp>
@@ -388,7 +416,6 @@
               <a:rPr lang="en-US"/>
               <a:t>Fifth level</a:t>
             </a:r>
-            <a:endParaRPr lang="en-US"/>
           </a:p>
         </p:txBody>
       </p:sp>
@@ -511,7 +538,6 @@
               <a:rPr lang="en-US"/>
               <a:t>Click to edit Master title style</a:t>
             </a:r>
-            <a:endParaRPr lang="en-US"/>
           </a:p>
         </p:txBody>
       </p:sp>
@@ -568,7 +594,6 @@
               <a:rPr lang="en-US"/>
               <a:t>Fifth level</a:t>
             </a:r>
-            <a:endParaRPr lang="en-US"/>
           </a:p>
         </p:txBody>
       </p:sp>
@@ -686,7 +711,6 @@
               <a:rPr lang="en-US"/>
               <a:t>Click to edit Master title style</a:t>
             </a:r>
-            <a:endParaRPr lang="en-US"/>
           </a:p>
         </p:txBody>
       </p:sp>
@@ -738,7 +762,6 @@
               <a:rPr lang="en-US"/>
               <a:t>Fifth level</a:t>
             </a:r>
-            <a:endParaRPr lang="en-US"/>
           </a:p>
         </p:txBody>
       </p:sp>
@@ -865,7 +888,6 @@
               <a:rPr lang="en-US"/>
               <a:t>Click to edit Master title style</a:t>
             </a:r>
-            <a:endParaRPr lang="en-US"/>
           </a:p>
         </p:txBody>
       </p:sp>
@@ -1102,7 +1124,6 @@
               <a:rPr lang="en-US"/>
               <a:t>Click to edit Master title style</a:t>
             </a:r>
-            <a:endParaRPr lang="en-US"/>
           </a:p>
         </p:txBody>
       </p:sp>
@@ -1159,7 +1180,6 @@
               <a:rPr lang="en-US"/>
               <a:t>Fifth level</a:t>
             </a:r>
-            <a:endParaRPr lang="en-US"/>
           </a:p>
         </p:txBody>
       </p:sp>
@@ -1216,7 +1236,6 @@
               <a:rPr lang="en-US"/>
               <a:t>Fifth level</a:t>
             </a:r>
-            <a:endParaRPr lang="en-US"/>
           </a:p>
         </p:txBody>
       </p:sp>
@@ -1339,7 +1358,6 @@
               <a:rPr lang="en-US"/>
               <a:t>Click to edit Master title style</a:t>
             </a:r>
-            <a:endParaRPr lang="en-US"/>
           </a:p>
         </p:txBody>
       </p:sp>
@@ -1461,7 +1479,6 @@
               <a:rPr lang="en-US"/>
               <a:t>Fifth level</a:t>
             </a:r>
-            <a:endParaRPr lang="en-US"/>
           </a:p>
         </p:txBody>
       </p:sp>
@@ -1583,7 +1600,6 @@
               <a:rPr lang="en-US"/>
               <a:t>Fifth level</a:t>
             </a:r>
-            <a:endParaRPr lang="en-US"/>
           </a:p>
         </p:txBody>
       </p:sp>
@@ -1701,7 +1717,6 @@
               <a:rPr lang="en-US"/>
               <a:t>Click to edit Master title style</a:t>
             </a:r>
-            <a:endParaRPr lang="en-US"/>
           </a:p>
         </p:txBody>
       </p:sp>
@@ -1923,7 +1938,6 @@
               <a:rPr lang="en-US"/>
               <a:t>Click to edit Master title style</a:t>
             </a:r>
-            <a:endParaRPr lang="en-US"/>
           </a:p>
         </p:txBody>
       </p:sp>
@@ -2008,7 +2022,6 @@
               <a:rPr lang="en-US"/>
               <a:t>Fifth level</a:t>
             </a:r>
-            <a:endParaRPr lang="en-US"/>
           </a:p>
         </p:txBody>
       </p:sp>
@@ -2200,7 +2213,6 @@
               <a:rPr lang="en-US"/>
               <a:t>Click to edit Master title style</a:t>
             </a:r>
-            <a:endParaRPr lang="en-US"/>
           </a:p>
         </p:txBody>
       </p:sp>
@@ -2459,7 +2471,6 @@
               <a:rPr lang="en-US"/>
               <a:t>Click to edit Master title style</a:t>
             </a:r>
-            <a:endParaRPr lang="en-US"/>
           </a:p>
         </p:txBody>
       </p:sp>
@@ -2521,7 +2532,6 @@
               <a:rPr lang="en-US"/>
               <a:t>Fifth level</a:t>
             </a:r>
-            <a:endParaRPr lang="en-US"/>
           </a:p>
         </p:txBody>
       </p:sp>
@@ -3547,7 +3557,7 @@
             <a:pPr algn="ctr"/>
             <a:r>
               <a:rPr lang="en-US" sz="1200" dirty="0"/>
-              <a:t>Add Indicators, Benchmarks for Objectives</a:t>
+              <a:t>Add Indicators, Benchmarks for Objectives by Strata </a:t>
             </a:r>
           </a:p>
         </p:txBody>
@@ -3662,8 +3672,8 @@
         </p:nvSpPr>
         <p:spPr>
           <a:xfrm>
-            <a:off x="4475665" y="3316746"/>
-            <a:ext cx="1553793" cy="2006706"/>
+            <a:off x="4475665" y="3316745"/>
+            <a:ext cx="1553793" cy="2159871"/>
           </a:xfrm>
           <a:prstGeom prst="roundRect">
             <a:avLst>
@@ -3701,6 +3711,16 @@
               <a:buChar char="•"/>
             </a:pPr>
             <a:r>
+              <a:rPr lang="en-US" sz="1200" dirty="0"/>
+              <a:t>Plot IDs</a:t>
+            </a:r>
+          </a:p>
+          <a:p>
+            <a:pPr marL="91440" indent="-91440">
+              <a:buFont typeface="Arial" panose="020B0604020202020204" pitchFamily="34" charset="0"/>
+              <a:buChar char="•"/>
+            </a:pPr>
+            <a:r>
               <a:rPr lang="en-US" sz="1200" dirty="0" err="1"/>
               <a:t>TerrADat</a:t>
             </a:r>
@@ -3763,7 +3783,7 @@
         <p:spPr>
           <a:xfrm>
             <a:off x="1778381" y="2104699"/>
-            <a:ext cx="3474181" cy="1212047"/>
+            <a:ext cx="3474181" cy="1212046"/>
           </a:xfrm>
           <a:prstGeom prst="bentConnector2">
             <a:avLst/>
@@ -3856,18 +3876,20 @@
       <p:cxnSp>
         <p:nvCxnSpPr>
           <p:cNvPr id="70" name="Connector: Elbow 69"/>
-          <p:cNvCxnSpPr/>
+          <p:cNvCxnSpPr>
+            <a:endCxn id="35" idx="2"/>
+          </p:cNvCxnSpPr>
           <p:nvPr/>
         </p:nvCxnSpPr>
         <p:spPr>
           <a:xfrm>
             <a:off x="1754894" y="5071923"/>
-            <a:ext cx="3497668" cy="223451"/>
+            <a:ext cx="3497668" cy="404693"/>
           </a:xfrm>
           <a:prstGeom prst="bentConnector4">
             <a:avLst>
               <a:gd name="adj1" fmla="val 38894"/>
-              <a:gd name="adj2" fmla="val 202304"/>
+              <a:gd name="adj2" fmla="val 156487"/>
             </a:avLst>
           </a:prstGeom>
           <a:ln>
@@ -3901,7 +3923,7 @@
         <p:spPr>
           <a:xfrm>
             <a:off x="3942630" y="4314751"/>
-            <a:ext cx="533035" cy="5348"/>
+            <a:ext cx="533035" cy="81930"/>
           </a:xfrm>
           <a:prstGeom prst="bentConnector3">
             <a:avLst/>
@@ -4185,14 +4207,13 @@
           <p:cNvPr id="185" name="Straight Arrow Connector 184"/>
           <p:cNvCxnSpPr>
             <a:stCxn id="8" idx="3"/>
-            <a:endCxn id="11" idx="1"/>
           </p:cNvCxnSpPr>
           <p:nvPr/>
         </p:nvCxnSpPr>
         <p:spPr>
-          <a:xfrm flipV="1">
-            <a:off x="1778381" y="946180"/>
-            <a:ext cx="985485" cy="56309"/>
+          <a:xfrm>
+            <a:off x="1778381" y="1002489"/>
+            <a:ext cx="832513" cy="127811"/>
           </a:xfrm>
           <a:prstGeom prst="straightConnector1">
             <a:avLst/>
@@ -4257,14 +4278,13 @@
           <p:cNvPr id="190" name="Straight Arrow Connector 189"/>
           <p:cNvCxnSpPr>
             <a:stCxn id="7" idx="3"/>
-            <a:endCxn id="11" idx="3"/>
           </p:cNvCxnSpPr>
           <p:nvPr/>
         </p:nvCxnSpPr>
         <p:spPr>
           <a:xfrm flipV="1">
-            <a:off x="1778380" y="1630840"/>
-            <a:ext cx="985486" cy="1196847"/>
+            <a:off x="1778380" y="1530350"/>
+            <a:ext cx="894970" cy="1297337"/>
           </a:xfrm>
           <a:prstGeom prst="straightConnector1">
             <a:avLst/>
@@ -4369,7 +4389,7 @@
           <p:nvPr/>
         </p:nvPicPr>
         <p:blipFill>
-          <a:blip r:embed="rId2">
+          <a:blip r:embed="rId2" cstate="print">
             <a:extLst>
               <a:ext uri="{28A0092B-C50C-407E-A947-70E740481C1C}">
                 <a14:useLocalDpi xmlns:a14="http://schemas.microsoft.com/office/drawing/2010/main" val="0"/>
@@ -4410,7 +4430,7 @@
           <p:nvPr/>
         </p:nvPicPr>
         <p:blipFill>
-          <a:blip r:embed="rId2">
+          <a:blip r:embed="rId2" cstate="print">
             <a:extLst>
               <a:ext uri="{28A0092B-C50C-407E-A947-70E740481C1C}">
                 <a14:useLocalDpi xmlns:a14="http://schemas.microsoft.com/office/drawing/2010/main" val="0"/>
@@ -4451,7 +4471,7 @@
           <p:nvPr/>
         </p:nvPicPr>
         <p:blipFill>
-          <a:blip r:embed="rId3">
+          <a:blip r:embed="rId3" cstate="print">
             <a:extLst>
               <a:ext uri="{28A0092B-C50C-407E-A947-70E740481C1C}">
                 <a14:useLocalDpi xmlns:a14="http://schemas.microsoft.com/office/drawing/2010/main" val="0"/>
@@ -4492,7 +4512,7 @@
           <p:nvPr/>
         </p:nvPicPr>
         <p:blipFill>
-          <a:blip r:embed="rId4">
+          <a:blip r:embed="rId4" cstate="print">
             <a:extLst>
               <a:ext uri="{28A0092B-C50C-407E-A947-70E740481C1C}">
                 <a14:useLocalDpi xmlns:a14="http://schemas.microsoft.com/office/drawing/2010/main" val="0"/>
@@ -4506,7 +4526,7 @@
         </p:blipFill>
         <p:spPr bwMode="auto">
           <a:xfrm>
-            <a:off x="5778152" y="5089494"/>
+            <a:off x="5783179" y="5249948"/>
             <a:ext cx="329338" cy="329338"/>
           </a:xfrm>
           <a:prstGeom prst="rect">
@@ -4533,7 +4553,7 @@
           <p:nvPr/>
         </p:nvPicPr>
         <p:blipFill>
-          <a:blip r:embed="rId4">
+          <a:blip r:embed="rId4" cstate="print">
             <a:extLst>
               <a:ext uri="{28A0092B-C50C-407E-A947-70E740481C1C}">
                 <a14:useLocalDpi xmlns:a14="http://schemas.microsoft.com/office/drawing/2010/main" val="0"/>
@@ -4574,7 +4594,7 @@
           <p:nvPr/>
         </p:nvPicPr>
         <p:blipFill>
-          <a:blip r:embed="rId5">
+          <a:blip r:embed="rId5" cstate="print">
             <a:extLst>
               <a:ext uri="{28A0092B-C50C-407E-A947-70E740481C1C}">
                 <a14:useLocalDpi xmlns:a14="http://schemas.microsoft.com/office/drawing/2010/main" val="0"/>
@@ -4615,7 +4635,7 @@
           <p:nvPr/>
         </p:nvPicPr>
         <p:blipFill>
-          <a:blip r:embed="rId5">
+          <a:blip r:embed="rId5" cstate="print">
             <a:extLst>
               <a:ext uri="{28A0092B-C50C-407E-A947-70E740481C1C}">
                 <a14:useLocalDpi xmlns:a14="http://schemas.microsoft.com/office/drawing/2010/main" val="0"/>
@@ -4656,7 +4676,7 @@
           <p:nvPr/>
         </p:nvPicPr>
         <p:blipFill>
-          <a:blip r:embed="rId5">
+          <a:blip r:embed="rId5" cstate="print">
             <a:extLst>
               <a:ext uri="{28A0092B-C50C-407E-A947-70E740481C1C}">
                 <a14:useLocalDpi xmlns:a14="http://schemas.microsoft.com/office/drawing/2010/main" val="0"/>
@@ -4697,7 +4717,7 @@
           <p:nvPr/>
         </p:nvPicPr>
         <p:blipFill>
-          <a:blip r:embed="rId5">
+          <a:blip r:embed="rId5" cstate="print">
             <a:extLst>
               <a:ext uri="{28A0092B-C50C-407E-A947-70E740481C1C}">
                 <a14:useLocalDpi xmlns:a14="http://schemas.microsoft.com/office/drawing/2010/main" val="0"/>
@@ -4738,7 +4758,7 @@
           <p:nvPr/>
         </p:nvPicPr>
         <p:blipFill>
-          <a:blip r:embed="rId4">
+          <a:blip r:embed="rId6" cstate="print">
             <a:extLst>
               <a:ext uri="{28A0092B-C50C-407E-A947-70E740481C1C}">
                 <a14:useLocalDpi xmlns:a14="http://schemas.microsoft.com/office/drawing/2010/main" val="0"/>
@@ -4779,7 +4799,7 @@
           <p:nvPr/>
         </p:nvPicPr>
         <p:blipFill>
-          <a:blip r:embed="rId4">
+          <a:blip r:embed="rId6" cstate="print">
             <a:extLst>
               <a:ext uri="{28A0092B-C50C-407E-A947-70E740481C1C}">
                 <a14:useLocalDpi xmlns:a14="http://schemas.microsoft.com/office/drawing/2010/main" val="0"/>
@@ -4820,7 +4840,7 @@
           <p:nvPr/>
         </p:nvPicPr>
         <p:blipFill>
-          <a:blip r:embed="rId6">
+          <a:blip r:embed="rId7" cstate="print">
             <a:extLst>
               <a:ext uri="{28A0092B-C50C-407E-A947-70E740481C1C}">
                 <a14:useLocalDpi xmlns:a14="http://schemas.microsoft.com/office/drawing/2010/main" val="0"/>
@@ -4861,7 +4881,7 @@
           <p:nvPr/>
         </p:nvPicPr>
         <p:blipFill>
-          <a:blip r:embed="rId6">
+          <a:blip r:embed="rId7" cstate="print">
             <a:extLst>
               <a:ext uri="{28A0092B-C50C-407E-A947-70E740481C1C}">
                 <a14:useLocalDpi xmlns:a14="http://schemas.microsoft.com/office/drawing/2010/main" val="0"/>
@@ -4902,7 +4922,7 @@
           <p:nvPr/>
         </p:nvPicPr>
         <p:blipFill>
-          <a:blip r:embed="rId6">
+          <a:blip r:embed="rId7" cstate="print">
             <a:extLst>
               <a:ext uri="{28A0092B-C50C-407E-A947-70E740481C1C}">
                 <a14:useLocalDpi xmlns:a14="http://schemas.microsoft.com/office/drawing/2010/main" val="0"/>
@@ -4943,7 +4963,7 @@
           <p:nvPr/>
         </p:nvPicPr>
         <p:blipFill>
-          <a:blip r:embed="rId6">
+          <a:blip r:embed="rId7" cstate="print">
             <a:extLst>
               <a:ext uri="{28A0092B-C50C-407E-A947-70E740481C1C}">
                 <a14:useLocalDpi xmlns:a14="http://schemas.microsoft.com/office/drawing/2010/main" val="0"/>
@@ -5049,7 +5069,7 @@
           <p:nvPr/>
         </p:nvPicPr>
         <p:blipFill>
-          <a:blip r:embed="rId7">
+          <a:blip r:embed="rId8" cstate="print">
             <a:extLst>
               <a:ext uri="{28A0092B-C50C-407E-A947-70E740481C1C}">
                 <a14:useLocalDpi xmlns:a14="http://schemas.microsoft.com/office/drawing/2010/main" val="0"/>
@@ -5089,7 +5109,7 @@
         </p:nvSpPr>
         <p:spPr>
           <a:xfrm>
-            <a:off x="2545395" y="492085"/>
+            <a:off x="2477022" y="708803"/>
             <a:ext cx="392656" cy="366455"/>
           </a:xfrm>
           <a:prstGeom prst="ellipse">
@@ -5156,7 +5176,7 @@
         </p:nvSpPr>
         <p:spPr>
           <a:xfrm>
-            <a:off x="2728702" y="3517371"/>
+            <a:off x="2811615" y="3629868"/>
             <a:ext cx="392656" cy="366455"/>
           </a:xfrm>
           <a:prstGeom prst="ellipse">
@@ -5223,7 +5243,7 @@
         </p:nvSpPr>
         <p:spPr>
           <a:xfrm>
-            <a:off x="6382397" y="3614582"/>
+            <a:off x="6463610" y="3663904"/>
             <a:ext cx="392656" cy="366455"/>
           </a:xfrm>
           <a:prstGeom prst="ellipse">
@@ -5290,7 +5310,7 @@
         </p:nvSpPr>
         <p:spPr>
           <a:xfrm>
-            <a:off x="9040840" y="3045044"/>
+            <a:off x="9128558" y="3160270"/>
             <a:ext cx="392656" cy="366455"/>
           </a:xfrm>
           <a:prstGeom prst="ellipse">
@@ -5416,6 +5436,41 @@
           </a:p>
         </p:txBody>
       </p:sp>
+      <p:cxnSp>
+        <p:nvCxnSpPr>
+          <p:cNvPr id="12" name="Connector: Elbow 11"/>
+          <p:cNvCxnSpPr>
+            <a:endCxn id="16" idx="0"/>
+          </p:cNvCxnSpPr>
+          <p:nvPr/>
+        </p:nvCxnSpPr>
+        <p:spPr>
+          <a:xfrm>
+            <a:off x="1778380" y="536687"/>
+            <a:ext cx="3286342" cy="221303"/>
+          </a:xfrm>
+          <a:prstGeom prst="bentConnector2">
+            <a:avLst/>
+          </a:prstGeom>
+          <a:ln>
+            <a:tailEnd type="triangle"/>
+          </a:ln>
+        </p:spPr>
+        <p:style>
+          <a:lnRef idx="2">
+            <a:schemeClr val="dk1"/>
+          </a:lnRef>
+          <a:fillRef idx="0">
+            <a:schemeClr val="dk1"/>
+          </a:fillRef>
+          <a:effectRef idx="1">
+            <a:schemeClr val="dk1"/>
+          </a:effectRef>
+          <a:fontRef idx="minor">
+            <a:schemeClr val="tx1"/>
+          </a:fontRef>
+        </p:style>
+      </p:cxnSp>
     </p:spTree>
     <p:extLst>
       <p:ext uri="{BB962C8B-B14F-4D97-AF65-F5344CB8AC3E}">
@@ -5796,7 +5851,7 @@
           <p:nvPr/>
         </p:nvPicPr>
         <p:blipFill>
-          <a:blip r:embed="rId2">
+          <a:blip r:embed="rId2" cstate="print">
             <a:extLst>
               <a:ext uri="{28A0092B-C50C-407E-A947-70E740481C1C}">
                 <a14:useLocalDpi xmlns:a14="http://schemas.microsoft.com/office/drawing/2010/main" val="0"/>
@@ -5837,7 +5892,7 @@
           <p:nvPr/>
         </p:nvPicPr>
         <p:blipFill>
-          <a:blip r:embed="rId3">
+          <a:blip r:embed="rId3" cstate="print">
             <a:extLst>
               <a:ext uri="{28A0092B-C50C-407E-A947-70E740481C1C}">
                 <a14:useLocalDpi xmlns:a14="http://schemas.microsoft.com/office/drawing/2010/main" val="0"/>
@@ -5878,7 +5933,7 @@
           <p:nvPr/>
         </p:nvPicPr>
         <p:blipFill>
-          <a:blip r:embed="rId4">
+          <a:blip r:embed="rId4" cstate="print">
             <a:extLst>
               <a:ext uri="{28A0092B-C50C-407E-A947-70E740481C1C}">
                 <a14:useLocalDpi xmlns:a14="http://schemas.microsoft.com/office/drawing/2010/main" val="0"/>
@@ -5919,7 +5974,7 @@
           <p:nvPr/>
         </p:nvPicPr>
         <p:blipFill>
-          <a:blip r:embed="rId5">
+          <a:blip r:embed="rId5" cstate="print">
             <a:extLst>
               <a:ext uri="{28A0092B-C50C-407E-A947-70E740481C1C}">
                 <a14:useLocalDpi xmlns:a14="http://schemas.microsoft.com/office/drawing/2010/main" val="0"/>
@@ -5960,7 +6015,7 @@
           <p:nvPr/>
         </p:nvPicPr>
         <p:blipFill>
-          <a:blip r:embed="rId6">
+          <a:blip r:embed="rId6" cstate="print">
             <a:extLst>
               <a:ext uri="{28A0092B-C50C-407E-A947-70E740481C1C}">
                 <a14:useLocalDpi xmlns:a14="http://schemas.microsoft.com/office/drawing/2010/main" val="0"/>
@@ -6001,7 +6056,7 @@
           <p:nvPr/>
         </p:nvPicPr>
         <p:blipFill>
-          <a:blip r:embed="rId7">
+          <a:blip r:embed="rId7" cstate="print">
             <a:extLst>
               <a:ext uri="{28A0092B-C50C-407E-A947-70E740481C1C}">
                 <a14:useLocalDpi xmlns:a14="http://schemas.microsoft.com/office/drawing/2010/main" val="0"/>
